--- a/training-cards/music moves/Tomatoes (TOM)/ger/apprentice/ger_TOM_13_Spiele_mit_der_Zeit_MM_A.pptx
+++ b/training-cards/music moves/Tomatoes (TOM)/ger/apprentice/ger_TOM_13_Spiele_mit_der_Zeit_MM_A.pptx
@@ -105,6 +105,22 @@
       </a:defRPr>
     </a:lvl9pPr>
   </p:defaultTextStyle>
+  <p:extLst>
+    <p:ext uri="{EFAFB233-063F-42B5-8137-9DF3F51BA10A}">
+      <p15:sldGuideLst xmlns:p15="http://schemas.microsoft.com/office/powerpoint/2012/main">
+        <p15:guide id="1" orient="horz" pos="661">
+          <p15:clr>
+            <a:srgbClr val="A4A3A4"/>
+          </p15:clr>
+        </p15:guide>
+        <p15:guide id="2" pos="735">
+          <p15:clr>
+            <a:srgbClr val="A4A3A4"/>
+          </p15:clr>
+        </p15:guide>
+      </p15:sldGuideLst>
+    </p:ext>
+  </p:extLst>
 </p:presentation>
 </file>
 
@@ -716,7 +732,7 @@
           <a:p>
             <a:fld id="{FF5B2BAF-DF38-0A48-A798-0C06E514FD52}" type="datetimeFigureOut">
               <a:rPr lang="de-DE" smtClean="0"/>
-              <a:t>14.08.15</a:t>
+              <a:t>16.03.16</a:t>
             </a:fld>
             <a:endParaRPr lang="de-DE" dirty="0"/>
           </a:p>
@@ -931,7 +947,7 @@
           <a:p>
             <a:fld id="{FF5B2BAF-DF38-0A48-A798-0C06E514FD52}" type="datetimeFigureOut">
               <a:rPr lang="de-DE" smtClean="0"/>
-              <a:t>14.08.15</a:t>
+              <a:t>16.03.16</a:t>
             </a:fld>
             <a:endParaRPr lang="de-DE" dirty="0"/>
           </a:p>
@@ -1623,28 +1639,24 @@
               </a:lnSpc>
             </a:pPr>
             <a:r>
+              <a:rPr lang="de-DE" sz="1100" dirty="0" smtClean="0"/>
+              <a:t>Innerhalb</a:t>
+            </a:r>
+            <a:r>
+              <a:rPr lang="de-DE" sz="1100" dirty="0" smtClean="0"/>
+              <a:t> eines Zeitfensters </a:t>
+            </a:r>
+            <a:r>
               <a:rPr lang="de-DE" sz="1100" dirty="0"/>
-              <a:t>Eine </a:t>
-            </a:r>
-            <a:r>
-              <a:rPr lang="de-DE" sz="1100" dirty="0" smtClean="0"/>
-              <a:t>Tomatenlänge</a:t>
-            </a:r>
-            <a:r>
-              <a:rPr lang="de-DE" sz="1100" baseline="30000" dirty="0" smtClean="0"/>
-              <a:t>1</a:t>
-            </a:r>
-            <a:r>
-              <a:rPr lang="de-DE" sz="1100" dirty="0" smtClean="0"/>
-              <a:t> </a:t>
-            </a:r>
-            <a:r>
-              <a:rPr lang="de-DE" sz="1100" dirty="0"/>
-              <a:t>von 25 min ist lediglich ein Vorschlag. Auch andere Tomatenlängen können in verschiedenen Situationen gut funktionieren</a:t>
-            </a:r>
-            <a:r>
-              <a:rPr lang="de-DE" sz="1100" dirty="0" smtClean="0"/>
-              <a:t>.</a:t>
+              <a:t>von 25 min </a:t>
+            </a:r>
+            <a:r>
+              <a:rPr lang="de-DE" sz="1100" dirty="0" smtClean="0"/>
+              <a:t>zu arbeiten, ist </a:t>
+            </a:r>
+            <a:r>
+              <a:rPr lang="de-DE" sz="1100" dirty="0" smtClean="0"/>
+              <a:t>eine Möglichkeit neben vielen weiteren, die auch gut funktionieren können.</a:t>
             </a:r>
             <a:endParaRPr lang="de-DE" sz="1100" dirty="0"/>
           </a:p>
@@ -1656,7 +1668,27 @@
             </a:pPr>
             <a:r>
               <a:rPr lang="de-DE" sz="1100" dirty="0"/>
-              <a:t>Um herauszufinden, was in welcher Situation passt, kannst Du unterschiedliche Tomatenlängen ausprobieren</a:t>
+              <a:t>Um herauszufinden, </a:t>
+            </a:r>
+            <a:r>
+              <a:rPr lang="de-DE" sz="1100" dirty="0" smtClean="0"/>
+              <a:t>welches für Dich am besten </a:t>
+            </a:r>
+            <a:r>
+              <a:rPr lang="de-DE" sz="1100" dirty="0"/>
+              <a:t>passt, kannst Du unterschiedliche </a:t>
+            </a:r>
+            <a:r>
+              <a:rPr lang="de-DE" sz="1100" dirty="0" smtClean="0"/>
+              <a:t>Zeitfenster</a:t>
+            </a:r>
+            <a:r>
+              <a:rPr lang="de-DE" sz="1100" dirty="0" smtClean="0"/>
+              <a:t> </a:t>
+            </a:r>
+            <a:r>
+              <a:rPr lang="de-DE" sz="1100" dirty="0"/>
+              <a:t>ausprobieren</a:t>
             </a:r>
             <a:r>
               <a:rPr lang="de-DE" sz="1100" dirty="0" smtClean="0"/>
@@ -1672,15 +1704,15 @@
             </a:pPr>
             <a:r>
               <a:rPr lang="de-DE" sz="1100" dirty="0"/>
-              <a:t>Wenn Du mit den </a:t>
-            </a:r>
-            <a:r>
-              <a:rPr lang="de-DE" sz="1100" dirty="0" smtClean="0"/>
-              <a:t>Tomatenlängen </a:t>
+              <a:t>Wenn Du </a:t>
+            </a:r>
+            <a:r>
+              <a:rPr lang="de-DE" sz="1100" dirty="0" smtClean="0"/>
+              <a:t>damit experimentierst</a:t>
             </a:r>
             <a:r>
               <a:rPr lang="de-DE" sz="1100" dirty="0"/>
-              <a:t>experimentierst, ist es wichtig, Klarheit beizubehalten. Du kannst Dich sonst schnell in Beliebigkeit verlieren. </a:t>
+              <a:t>, ist es wichtig, Klarheit beizubehalten. Du kannst Dich sonst schnell in Beliebigkeit verlieren. </a:t>
             </a:r>
           </a:p>
           <a:p>
@@ -1691,7 +1723,27 @@
             </a:pPr>
             <a:r>
               <a:rPr lang="de-DE" sz="1100" dirty="0"/>
-              <a:t>Vor Beginn der Tomate legst Du fest, wie lange sie sein soll. </a:t>
+              <a:t>Vor Beginn </a:t>
+            </a:r>
+            <a:r>
+              <a:rPr lang="de-DE" sz="1100" dirty="0" smtClean="0"/>
+              <a:t>Deiner</a:t>
+            </a:r>
+            <a:r>
+              <a:rPr lang="de-DE" sz="1100" dirty="0" smtClean="0"/>
+              <a:t> „Tomate“</a:t>
+            </a:r>
+            <a:r>
+              <a:rPr lang="de-DE" sz="1100" baseline="30000" dirty="0" smtClean="0"/>
+              <a:t>1</a:t>
+            </a:r>
+            <a:r>
+              <a:rPr lang="de-DE" sz="1100" dirty="0" smtClean="0"/>
+              <a:t> </a:t>
+            </a:r>
+            <a:r>
+              <a:rPr lang="de-DE" sz="1100" dirty="0"/>
+              <a:t>legst Du fest, wie lange sie sein soll. </a:t>
             </a:r>
             <a:r>
               <a:rPr lang="de-DE" sz="1100" dirty="0" smtClean="0"/>
@@ -1722,8 +1774,16 @@
               </a:lnSpc>
             </a:pPr>
             <a:r>
+              <a:rPr lang="de-DE" sz="1100" dirty="0" smtClean="0"/>
+              <a:t>Beispiele</a:t>
+            </a:r>
+            <a:r>
+              <a:rPr lang="de-DE" sz="1100" dirty="0" smtClean="0"/>
+              <a:t> </a:t>
+            </a:r>
+            <a:r>
               <a:rPr lang="de-DE" sz="1100" dirty="0"/>
-              <a:t>Ideen für Tomaten wären:</a:t>
+              <a:t>für Tomaten wären:</a:t>
             </a:r>
           </a:p>
           <a:p>
@@ -1979,13 +2039,21 @@
         <p:spPr/>
         <p:txBody>
           <a:bodyPr>
-            <a:normAutofit lnSpcReduction="10000"/>
+            <a:normAutofit/>
           </a:bodyPr>
           <a:lstStyle/>
           <a:p>
             <a:r>
               <a:rPr lang="de-DE" sz="1100" dirty="0"/>
-              <a:t>Trainiere in 2 Wochen 3 Phasen, in denen Du Deine Tomatenlängen änderst.</a:t>
+              <a:t>Trainiere in 2 Wochen 3 Phasen, in denen Du </a:t>
+            </a:r>
+            <a:r>
+              <a:rPr lang="de-DE" sz="1100" dirty="0" smtClean="0"/>
+              <a:t>Deine Zeitfenster </a:t>
+            </a:r>
+            <a:r>
+              <a:rPr lang="de-DE" sz="1100" dirty="0"/>
+              <a:t>änderst.</a:t>
             </a:r>
           </a:p>
           <a:p>
@@ -1999,7 +2067,19 @@
             </a:r>
             <a:r>
               <a:rPr lang="de-DE" sz="1100" dirty="0"/>
-              <a:t>gehen, an denen Du Tomaten machst. Innerhalb dieser Zeit änderst Du die Tomatenlänge nicht.</a:t>
+              <a:t>gehen, an denen Du Tomaten machst. Innerhalb dieser Zeit änderst Du die </a:t>
+            </a:r>
+            <a:r>
+              <a:rPr lang="de-DE" sz="1100" dirty="0" smtClean="0"/>
+              <a:t>Länger der Zeitscheiben</a:t>
+            </a:r>
+            <a:r>
+              <a:rPr lang="de-DE" sz="1100" dirty="0" smtClean="0"/>
+              <a:t> </a:t>
+            </a:r>
+            <a:r>
+              <a:rPr lang="de-DE" sz="1100" dirty="0"/>
+              <a:t>nicht.</a:t>
             </a:r>
           </a:p>
           <a:p>
@@ -2040,10 +2120,10 @@
               <a:buChar char="§"/>
             </a:pPr>
             <a:r>
-              <a:rPr lang="de-DE" sz="1200" dirty="0" smtClean="0"/>
+              <a:rPr lang="de-DE" sz="1100" dirty="0" smtClean="0"/>
               <a:t>Was tut mir gut?</a:t>
             </a:r>
-            <a:endParaRPr lang="de-DE" sz="1200" dirty="0"/>
+            <a:endParaRPr lang="de-DE" sz="1100" dirty="0"/>
           </a:p>
           <a:p>
             <a:pPr marL="539816" lvl="1" indent="-171450">
@@ -2051,8 +2131,20 @@
               <a:buChar char="§"/>
             </a:pPr>
             <a:r>
-              <a:rPr lang="de-DE" sz="1200" dirty="0" smtClean="0"/>
-              <a:t>Halte ich meine Tomatenlängen ein? </a:t>
+              <a:rPr lang="de-DE" sz="1100" dirty="0" smtClean="0"/>
+              <a:t>Halte ich meine </a:t>
+            </a:r>
+            <a:r>
+              <a:rPr lang="de-DE" sz="1100" smtClean="0"/>
+              <a:t>Zeitfenster exakt</a:t>
+            </a:r>
+            <a:r>
+              <a:rPr lang="de-DE" sz="1100" smtClean="0"/>
+              <a:t> </a:t>
+            </a:r>
+            <a:r>
+              <a:rPr lang="de-DE" sz="1100" dirty="0" smtClean="0"/>
+              <a:t>ein? </a:t>
             </a:r>
           </a:p>
           <a:p>
@@ -2061,7 +2153,7 @@
               <a:buChar char="§"/>
             </a:pPr>
             <a:r>
-              <a:rPr lang="de-DE" sz="1200" dirty="0" smtClean="0"/>
+              <a:rPr lang="de-DE" sz="1100" dirty="0" smtClean="0"/>
               <a:t>Reißt meine Konzentration während der Tomate ab? </a:t>
             </a:r>
           </a:p>
@@ -2071,7 +2163,7 @@
               <a:buChar char="§"/>
             </a:pPr>
             <a:r>
-              <a:rPr lang="de-DE" sz="1200" dirty="0" smtClean="0"/>
+              <a:rPr lang="de-DE" sz="1100" dirty="0" smtClean="0"/>
               <a:t>Bräuchte ich längere oder kürzere Tomaten? Warum? </a:t>
             </a:r>
           </a:p>

--- a/training-cards/music moves/Tomatoes (TOM)/ger/apprentice/ger_TOM_13_Spiele_mit_der_Zeit_MM_A.pptx
+++ b/training-cards/music moves/Tomatoes (TOM)/ger/apprentice/ger_TOM_13_Spiele_mit_der_Zeit_MM_A.pptx
@@ -1996,6 +1996,35 @@
           </a:p>
         </p:txBody>
       </p:sp>
+      <p:pic>
+        <p:nvPicPr>
+          <p:cNvPr id="3" name="Bild 2"/>
+          <p:cNvPicPr>
+            <a:picLocks noChangeAspect="1"/>
+          </p:cNvPicPr>
+          <p:nvPr/>
+        </p:nvPicPr>
+        <p:blipFill rotWithShape="1">
+          <a:blip r:embed="rId2">
+            <a:extLst>
+              <a:ext uri="{28A0092B-C50C-407E-A947-70E740481C1C}">
+                <a14:useLocalDpi xmlns:a14="http://schemas.microsoft.com/office/drawing/2010/main" val="0"/>
+              </a:ext>
+            </a:extLst>
+          </a:blip>
+          <a:srcRect l="25693" t="13821" r="42188"/>
+          <a:stretch/>
+        </p:blipFill>
+        <p:spPr>
+          <a:xfrm>
+            <a:off x="5510914" y="3377140"/>
+            <a:ext cx="927203" cy="1399340"/>
+          </a:xfrm>
+          <a:prstGeom prst="rect">
+            <a:avLst/>
+          </a:prstGeom>
+        </p:spPr>
+      </p:pic>
     </p:spTree>
     <p:extLst>
       <p:ext uri="{BB962C8B-B14F-4D97-AF65-F5344CB8AC3E}">
@@ -2135,11 +2164,11 @@
               <a:t>Halte ich meine </a:t>
             </a:r>
             <a:r>
-              <a:rPr lang="de-DE" sz="1100" smtClean="0"/>
+              <a:rPr lang="de-DE" sz="1100" dirty="0" smtClean="0"/>
               <a:t>Zeitfenster exakt</a:t>
             </a:r>
             <a:r>
-              <a:rPr lang="de-DE" sz="1100" smtClean="0"/>
+              <a:rPr lang="de-DE" sz="1100" dirty="0" smtClean="0"/>
               <a:t> </a:t>
             </a:r>
             <a:r>

--- a/training-cards/music moves/Tomatoes (TOM)/ger/apprentice/ger_TOM_13_Spiele_mit_der_Zeit_MM_A.pptx
+++ b/training-cards/music moves/Tomatoes (TOM)/ger/apprentice/ger_TOM_13_Spiele_mit_der_Zeit_MM_A.pptx
@@ -166,7 +166,7 @@
           </a:lstStyle>
           <a:p>
             <a:r>
-              <a:rPr lang="de-DE" smtClean="0"/>
+              <a:rPr lang="de-DE"/>
               <a:t>Mastertitelformat bearbeiten</a:t>
             </a:r>
             <a:endParaRPr lang="de-DE" dirty="0"/>
@@ -287,7 +287,7 @@
           </a:lstStyle>
           <a:p>
             <a:r>
-              <a:rPr lang="de-DE" smtClean="0"/>
+              <a:rPr lang="de-DE"/>
               <a:t>Master-Untertitelformat bearbeiten</a:t>
             </a:r>
             <a:endParaRPr lang="de-DE" dirty="0"/>
@@ -321,35 +321,35 @@
           <a:p>
             <a:pPr lvl="0"/>
             <a:r>
-              <a:rPr lang="de-DE" smtClean="0"/>
+              <a:rPr lang="de-DE"/>
               <a:t>Mastertextformat bearbeiten</a:t>
             </a:r>
           </a:p>
           <a:p>
             <a:pPr lvl="1"/>
             <a:r>
-              <a:rPr lang="de-DE" smtClean="0"/>
+              <a:rPr lang="de-DE"/>
               <a:t>Zweite Ebene</a:t>
             </a:r>
           </a:p>
           <a:p>
             <a:pPr lvl="2"/>
             <a:r>
-              <a:rPr lang="de-DE" smtClean="0"/>
+              <a:rPr lang="de-DE"/>
               <a:t>Dritte Ebene</a:t>
             </a:r>
           </a:p>
           <a:p>
             <a:pPr lvl="3"/>
             <a:r>
-              <a:rPr lang="de-DE" smtClean="0"/>
+              <a:rPr lang="de-DE"/>
               <a:t>Vierte Ebene</a:t>
             </a:r>
           </a:p>
           <a:p>
             <a:pPr lvl="4"/>
             <a:r>
-              <a:rPr lang="de-DE" smtClean="0"/>
+              <a:rPr lang="de-DE"/>
               <a:t>Fünfte Ebene</a:t>
             </a:r>
             <a:endParaRPr lang="de-DE" dirty="0"/>
@@ -397,7 +397,7 @@
           <a:p>
             <a:pPr algn="l"/>
             <a:r>
-              <a:rPr lang="de-DE" sz="1000" dirty="0" smtClean="0">
+              <a:rPr lang="de-DE" sz="1000" dirty="0">
                 <a:solidFill>
                   <a:srgbClr val="5D5E5F"/>
                 </a:solidFill>
@@ -407,7 +407,7 @@
               <a:t>REGINA</a:t>
             </a:r>
             <a:r>
-              <a:rPr lang="de-DE" sz="1000" baseline="0" dirty="0" smtClean="0">
+              <a:rPr lang="de-DE" sz="1000" baseline="0" dirty="0">
                 <a:solidFill>
                   <a:srgbClr val="5D5E5F"/>
                 </a:solidFill>
@@ -417,7 +417,7 @@
               <a:t> BRANDHUBER</a:t>
             </a:r>
             <a:r>
-              <a:rPr lang="de-DE" sz="1000" dirty="0" smtClean="0">
+              <a:rPr lang="de-DE" sz="1000" dirty="0">
                 <a:solidFill>
                   <a:srgbClr val="5D5E5F"/>
                 </a:solidFill>
@@ -426,13 +426,6 @@
               </a:rPr>
               <a:t> </a:t>
             </a:r>
-            <a:endParaRPr lang="de-DE" sz="1000" dirty="0">
-              <a:solidFill>
-                <a:srgbClr val="5D5E5F"/>
-              </a:solidFill>
-              <a:latin typeface="Avenir Book"/>
-              <a:cs typeface="Avenir Book"/>
-            </a:endParaRPr>
           </a:p>
         </p:txBody>
       </p:sp>
@@ -545,35 +538,35 @@
           <a:p>
             <a:pPr lvl="0"/>
             <a:r>
-              <a:rPr lang="de-DE" smtClean="0"/>
+              <a:rPr lang="de-DE"/>
               <a:t>Mastertextformat bearbeiten</a:t>
             </a:r>
           </a:p>
           <a:p>
             <a:pPr lvl="1"/>
             <a:r>
-              <a:rPr lang="de-DE" smtClean="0"/>
+              <a:rPr lang="de-DE"/>
               <a:t>Zweite Ebene</a:t>
             </a:r>
           </a:p>
           <a:p>
             <a:pPr lvl="2"/>
             <a:r>
-              <a:rPr lang="de-DE" smtClean="0"/>
+              <a:rPr lang="de-DE"/>
               <a:t>Dritte Ebene</a:t>
             </a:r>
           </a:p>
           <a:p>
             <a:pPr lvl="3"/>
             <a:r>
-              <a:rPr lang="de-DE" smtClean="0"/>
+              <a:rPr lang="de-DE"/>
               <a:t>Vierte Ebene</a:t>
             </a:r>
           </a:p>
           <a:p>
             <a:pPr lvl="4"/>
             <a:r>
-              <a:rPr lang="de-DE" smtClean="0"/>
+              <a:rPr lang="de-DE"/>
               <a:t>Fünfte Ebene</a:t>
             </a:r>
             <a:endParaRPr lang="de-DE" dirty="0"/>
@@ -603,7 +596,7 @@
           <a:lstStyle/>
           <a:p>
             <a:r>
-              <a:rPr lang="de-DE" sz="2400" dirty="0" smtClean="0">
+              <a:rPr lang="de-DE" sz="2400" dirty="0">
                 <a:solidFill>
                   <a:srgbClr val="7E006B"/>
                 </a:solidFill>
@@ -613,7 +606,7 @@
               <a:t>TR	AININGS</a:t>
             </a:r>
             <a:r>
-              <a:rPr lang="de-DE" sz="2400" dirty="0" smtClean="0">
+              <a:rPr lang="de-DE" sz="2400" dirty="0">
                 <a:solidFill>
                   <a:srgbClr val="7E006B"/>
                 </a:solidFill>
@@ -708,10 +701,9 @@
           <a:lstStyle/>
           <a:p>
             <a:r>
-              <a:rPr lang="de-DE" smtClean="0"/>
+              <a:rPr lang="de-DE"/>
               <a:t>Mastertitelformat bearbeiten</a:t>
             </a:r>
-            <a:endParaRPr lang="de-DE"/>
           </a:p>
         </p:txBody>
       </p:sp>
@@ -732,7 +724,7 @@
           <a:p>
             <a:fld id="{FF5B2BAF-DF38-0A48-A798-0C06E514FD52}" type="datetimeFigureOut">
               <a:rPr lang="de-DE" smtClean="0"/>
-              <a:t>16.03.16</a:t>
+              <a:t>12.09.18</a:t>
             </a:fld>
             <a:endParaRPr lang="de-DE" dirty="0"/>
           </a:p>
@@ -843,10 +835,9 @@
           <a:p>
             <a:pPr marL="0" lvl="0" algn="l"/>
             <a:r>
-              <a:rPr lang="de-DE" dirty="0" smtClean="0"/>
+              <a:rPr lang="de-DE" dirty="0"/>
               <a:t>Überschrift bearbeiten </a:t>
             </a:r>
-            <a:endParaRPr lang="de-DE" dirty="0"/>
           </a:p>
         </p:txBody>
       </p:sp>
@@ -877,38 +868,37 @@
           <a:p>
             <a:pPr lvl="0"/>
             <a:r>
-              <a:rPr lang="de-DE" dirty="0" smtClean="0"/>
+              <a:rPr lang="de-DE" dirty="0"/>
               <a:t>Mastertextformat bearbeiten</a:t>
             </a:r>
           </a:p>
           <a:p>
             <a:pPr lvl="1"/>
             <a:r>
-              <a:rPr lang="de-DE" dirty="0" smtClean="0"/>
+              <a:rPr lang="de-DE" dirty="0"/>
               <a:t>Zweite Ebene</a:t>
             </a:r>
           </a:p>
           <a:p>
             <a:pPr lvl="2"/>
             <a:r>
-              <a:rPr lang="de-DE" dirty="0" smtClean="0"/>
+              <a:rPr lang="de-DE" dirty="0"/>
               <a:t>Dritte Ebene</a:t>
             </a:r>
           </a:p>
           <a:p>
             <a:pPr lvl="3"/>
             <a:r>
-              <a:rPr lang="de-DE" dirty="0" smtClean="0"/>
+              <a:rPr lang="de-DE" dirty="0"/>
               <a:t>Vierte Ebene</a:t>
             </a:r>
           </a:p>
           <a:p>
             <a:pPr lvl="4"/>
             <a:r>
-              <a:rPr lang="de-DE" dirty="0" smtClean="0"/>
+              <a:rPr lang="de-DE" dirty="0"/>
               <a:t>Fünfte Ebene</a:t>
             </a:r>
-            <a:endParaRPr lang="de-DE" dirty="0"/>
           </a:p>
         </p:txBody>
       </p:sp>
@@ -947,7 +937,7 @@
           <a:p>
             <a:fld id="{FF5B2BAF-DF38-0A48-A798-0C06E514FD52}" type="datetimeFigureOut">
               <a:rPr lang="de-DE" smtClean="0"/>
-              <a:t>16.03.16</a:t>
+              <a:t>12.09.18</a:t>
             </a:fld>
             <a:endParaRPr lang="de-DE" dirty="0"/>
           </a:p>
@@ -1181,7 +1171,7 @@
           <a:lstStyle/>
           <a:p>
             <a:r>
-              <a:rPr lang="de-DE" sz="1050" b="1" dirty="0" smtClean="0">
+              <a:rPr lang="de-DE" sz="1050" b="1" dirty="0">
                 <a:solidFill>
                   <a:schemeClr val="bg1"/>
                 </a:solidFill>
@@ -1191,7 +1181,7 @@
               <a:t>TRAININGSKARTE</a:t>
             </a:r>
             <a:r>
-              <a:rPr lang="de-DE" sz="1050" dirty="0" smtClean="0">
+              <a:rPr lang="de-DE" sz="1050" dirty="0">
                 <a:solidFill>
                   <a:schemeClr val="bg1"/>
                 </a:solidFill>
@@ -1201,7 +1191,7 @@
               <a:t> </a:t>
             </a:r>
             <a:r>
-              <a:rPr lang="de-DE" sz="1050" b="1" dirty="0" smtClean="0">
+              <a:rPr lang="de-DE" sz="1050" b="1" dirty="0">
                 <a:solidFill>
                   <a:schemeClr val="bg1"/>
                 </a:solidFill>
@@ -1210,13 +1200,6 @@
               </a:rPr>
               <a:t>TOM 13</a:t>
             </a:r>
-            <a:endParaRPr lang="de-DE" sz="1050" b="1" dirty="0">
-              <a:solidFill>
-                <a:schemeClr val="bg1"/>
-              </a:solidFill>
-              <a:latin typeface="Avenir Heavy"/>
-              <a:cs typeface="Avenir Heavy"/>
-            </a:endParaRPr>
           </a:p>
         </p:txBody>
       </p:sp>
@@ -1599,20 +1582,16 @@
           <a:lstStyle/>
           <a:p>
             <a:r>
-              <a:rPr lang="de-DE" dirty="0" smtClean="0"/>
+              <a:rPr lang="de-DE" dirty="0"/>
               <a:t>SPIELE </a:t>
             </a:r>
             <a:r>
-              <a:rPr lang="de-DE" dirty="0" smtClean="0">
+              <a:rPr lang="de-DE" dirty="0">
                 <a:latin typeface="Avenir Book"/>
                 <a:cs typeface="Avenir Book"/>
               </a:rPr>
               <a:t>MIT DER ZEIT</a:t>
             </a:r>
-            <a:endParaRPr lang="de-DE" dirty="0">
-              <a:latin typeface="Avenir Book"/>
-              <a:cs typeface="Avenir Book"/>
-            </a:endParaRPr>
           </a:p>
         </p:txBody>
       </p:sp>
@@ -1639,26 +1618,9 @@
               </a:lnSpc>
             </a:pPr>
             <a:r>
-              <a:rPr lang="de-DE" sz="1100" dirty="0" smtClean="0"/>
-              <a:t>Innerhalb</a:t>
-            </a:r>
-            <a:r>
-              <a:rPr lang="de-DE" sz="1100" dirty="0" smtClean="0"/>
-              <a:t> eines Zeitfensters </a:t>
-            </a:r>
-            <a:r>
               <a:rPr lang="de-DE" sz="1100" dirty="0"/>
-              <a:t>von 25 min </a:t>
-            </a:r>
-            <a:r>
-              <a:rPr lang="de-DE" sz="1100" dirty="0" smtClean="0"/>
-              <a:t>zu arbeiten, ist </a:t>
-            </a:r>
-            <a:r>
-              <a:rPr lang="de-DE" sz="1100" dirty="0" smtClean="0"/>
-              <a:t>eine Möglichkeit neben vielen weiteren, die auch gut funktionieren können.</a:t>
-            </a:r>
-            <a:endParaRPr lang="de-DE" sz="1100" dirty="0"/>
+              <a:t>Innerhalb eines Zeitfensters von 25 min zu arbeiten, ist eine Möglichkeit neben vielen weiteren, die auch gut funktionieren können.</a:t>
+            </a:r>
           </a:p>
           <a:p>
             <a:pPr>
@@ -1668,33 +1630,8 @@
             </a:pPr>
             <a:r>
               <a:rPr lang="de-DE" sz="1100" dirty="0"/>
-              <a:t>Um herauszufinden, </a:t>
-            </a:r>
-            <a:r>
-              <a:rPr lang="de-DE" sz="1100" dirty="0" smtClean="0"/>
-              <a:t>welches für Dich am besten </a:t>
-            </a:r>
-            <a:r>
-              <a:rPr lang="de-DE" sz="1100" dirty="0"/>
-              <a:t>passt, kannst Du unterschiedliche </a:t>
-            </a:r>
-            <a:r>
-              <a:rPr lang="de-DE" sz="1100" dirty="0" smtClean="0"/>
-              <a:t>Zeitfenster</a:t>
-            </a:r>
-            <a:r>
-              <a:rPr lang="de-DE" sz="1100" dirty="0" smtClean="0"/>
-              <a:t> </a:t>
-            </a:r>
-            <a:r>
-              <a:rPr lang="de-DE" sz="1100" dirty="0"/>
-              <a:t>ausprobieren</a:t>
-            </a:r>
-            <a:r>
-              <a:rPr lang="de-DE" sz="1100" dirty="0" smtClean="0"/>
-              <a:t>.</a:t>
-            </a:r>
-            <a:endParaRPr lang="de-DE" sz="1100" dirty="0"/>
+              <a:t>Um herauszufinden, welches für Dich am besten passt, kannst Du unterschiedliche Zeitfenster ausprobieren.</a:t>
+            </a:r>
           </a:p>
           <a:p>
             <a:pPr>
@@ -1704,15 +1641,7 @@
             </a:pPr>
             <a:r>
               <a:rPr lang="de-DE" sz="1100" dirty="0"/>
-              <a:t>Wenn Du </a:t>
-            </a:r>
-            <a:r>
-              <a:rPr lang="de-DE" sz="1100" dirty="0" smtClean="0"/>
-              <a:t>damit experimentierst</a:t>
-            </a:r>
-            <a:r>
-              <a:rPr lang="de-DE" sz="1100" dirty="0"/>
-              <a:t>, ist es wichtig, Klarheit beizubehalten. Du kannst Dich sonst schnell in Beliebigkeit verlieren. </a:t>
+              <a:t>Wenn Du damit experimentierst, ist es wichtig, Klarheit beizubehalten. Du kannst Dich sonst schnell in Beliebigkeit verlieren. </a:t>
             </a:r>
           </a:p>
           <a:p>
@@ -1723,49 +1652,16 @@
             </a:pPr>
             <a:r>
               <a:rPr lang="de-DE" sz="1100" dirty="0"/>
-              <a:t>Vor Beginn </a:t>
-            </a:r>
-            <a:r>
-              <a:rPr lang="de-DE" sz="1100" dirty="0" smtClean="0"/>
-              <a:t>Deiner</a:t>
-            </a:r>
-            <a:r>
-              <a:rPr lang="de-DE" sz="1100" dirty="0" smtClean="0"/>
-              <a:t> „Tomate“</a:t>
-            </a:r>
-            <a:r>
-              <a:rPr lang="de-DE" sz="1100" baseline="30000" dirty="0" smtClean="0"/>
+              <a:t>Vor Beginn Deiner Pomodoro</a:t>
+            </a:r>
+            <a:r>
+              <a:rPr lang="de-DE" sz="1100" baseline="30000" dirty="0"/>
               <a:t>1</a:t>
             </a:r>
             <a:r>
-              <a:rPr lang="de-DE" sz="1100" dirty="0" smtClean="0"/>
-              <a:t> </a:t>
-            </a:r>
-            <a:r>
               <a:rPr lang="de-DE" sz="1100" dirty="0"/>
-              <a:t>legst Du fest, wie lange sie sein soll. </a:t>
-            </a:r>
-            <a:r>
-              <a:rPr lang="de-DE" sz="1100" dirty="0" smtClean="0"/>
-              <a:t>Die Länge </a:t>
-            </a:r>
-            <a:r>
-              <a:rPr lang="de-DE" sz="1100" dirty="0"/>
-              <a:t>über mehrere Tomaten konstant zu halten, hilft Dir ein Gefühl </a:t>
-            </a:r>
-            <a:r>
-              <a:rPr lang="de-DE" sz="1100" dirty="0" smtClean="0"/>
-              <a:t>dafür </a:t>
-            </a:r>
-            <a:r>
-              <a:rPr lang="de-DE" sz="1100" dirty="0"/>
-              <a:t>zu </a:t>
-            </a:r>
-            <a:r>
-              <a:rPr lang="de-DE" sz="1100" dirty="0" smtClean="0"/>
-              <a:t>entwickeln.</a:t>
-            </a:r>
-            <a:endParaRPr lang="de-DE" sz="1100" dirty="0"/>
+              <a:t> legst Du fest, wie lange sie sein soll. Die Länge über mehrere Tomaten konstant zu halten, hilft Dir ein Gefühl dafür zu entwickeln.</a:t>
+            </a:r>
           </a:p>
           <a:p>
             <a:pPr>
@@ -1774,68 +1670,39 @@
               </a:lnSpc>
             </a:pPr>
             <a:r>
-              <a:rPr lang="de-DE" sz="1100" dirty="0" smtClean="0"/>
-              <a:t>Beispiele</a:t>
-            </a:r>
-            <a:r>
-              <a:rPr lang="de-DE" sz="1100" dirty="0" smtClean="0"/>
+              <a:rPr lang="de-DE" sz="1100" dirty="0"/>
+              <a:t>Francesco </a:t>
+            </a:r>
+            <a:r>
+              <a:rPr lang="de-DE" sz="1100" dirty="0" err="1"/>
+              <a:t>Cirillo</a:t>
+            </a:r>
+            <a:r>
+              <a:rPr lang="de-DE" sz="1100" dirty="0"/>
+              <a:t>, der Erfinder der </a:t>
+            </a:r>
+            <a:r>
+              <a:rPr lang="de-DE" sz="1100" dirty="0" err="1"/>
+              <a:t>Pomodoro</a:t>
+            </a:r>
+            <a:r>
+              <a:rPr lang="de-DE" sz="1100" dirty="0"/>
+              <a:t> Technik </a:t>
+            </a:r>
+            <a:r>
+              <a:rPr lang="de-DE" sz="1100" dirty="0" err="1"/>
+              <a:t>empfielt</a:t>
+            </a:r>
+            <a:r>
+              <a:rPr lang="de-DE" sz="1100" dirty="0"/>
               <a:t> </a:t>
             </a:r>
-            <a:r>
+            <a:br>
               <a:rPr lang="de-DE" sz="1100" dirty="0"/>
-              <a:t>für Tomaten wären:</a:t>
-            </a:r>
-          </a:p>
-          <a:p>
-            <a:pPr lvl="1">
-              <a:lnSpc>
-                <a:spcPct val="120000"/>
-              </a:lnSpc>
-            </a:pPr>
+            </a:br>
             <a:r>
               <a:rPr lang="de-DE" sz="1100" dirty="0"/>
-              <a:t>5 min </a:t>
-            </a:r>
-            <a:r>
-              <a:rPr lang="de-DE" sz="1100" dirty="0" smtClean="0"/>
-              <a:t>Tomate</a:t>
-            </a:r>
-          </a:p>
-          <a:p>
-            <a:pPr lvl="1">
-              <a:lnSpc>
-                <a:spcPct val="120000"/>
-              </a:lnSpc>
-            </a:pPr>
-            <a:r>
-              <a:rPr lang="de-DE" sz="1100" dirty="0" smtClean="0"/>
-              <a:t>15 </a:t>
-            </a:r>
-            <a:r>
-              <a:rPr lang="de-DE" sz="1100" dirty="0"/>
-              <a:t>min Tomate</a:t>
-            </a:r>
-          </a:p>
-          <a:p>
-            <a:pPr lvl="1">
-              <a:lnSpc>
-                <a:spcPct val="120000"/>
-              </a:lnSpc>
-            </a:pPr>
-            <a:r>
-              <a:rPr lang="de-DE" sz="1100" dirty="0"/>
-              <a:t>20 min Tomate</a:t>
-            </a:r>
-          </a:p>
-          <a:p>
-            <a:pPr lvl="1">
-              <a:lnSpc>
-                <a:spcPct val="120000"/>
-              </a:lnSpc>
-            </a:pPr>
-            <a:r>
-              <a:rPr lang="de-DE" sz="1100" dirty="0"/>
-              <a:t>45 min Tomate</a:t>
+              <a:t>Einheiten von 20-40 Minuten.</a:t>
             </a:r>
             <a:endParaRPr lang="de-DE" dirty="0"/>
           </a:p>
@@ -1957,7 +1824,7 @@
           </a:lstStyle>
           <a:p>
             <a:r>
-              <a:rPr lang="de-DE" sz="900" baseline="30000" dirty="0" smtClean="0">
+              <a:rPr lang="de-DE" sz="900" baseline="30000" dirty="0">
                 <a:solidFill>
                   <a:schemeClr val="bg1">
                     <a:lumMod val="65000"/>
@@ -1967,7 +1834,7 @@
               <a:t>1</a:t>
             </a:r>
             <a:r>
-              <a:rPr lang="de-DE" sz="900" dirty="0" smtClean="0">
+              <a:rPr lang="de-DE" sz="900" dirty="0">
                 <a:solidFill>
                   <a:schemeClr val="bg1">
                     <a:lumMod val="65000"/>
@@ -1977,7 +1844,7 @@
               <a:t>  </a:t>
             </a:r>
             <a:r>
-              <a:rPr lang="de-DE" sz="900" dirty="0" err="1" smtClean="0">
+              <a:rPr lang="de-DE" sz="900" dirty="0" err="1">
                 <a:solidFill>
                   <a:schemeClr val="bg1">
                     <a:lumMod val="65000"/>
@@ -2074,73 +1941,49 @@
           <a:p>
             <a:r>
               <a:rPr lang="de-DE" sz="1100" dirty="0"/>
-              <a:t>Trainiere in 2 Wochen 3 Phasen, in denen Du </a:t>
-            </a:r>
-            <a:r>
-              <a:rPr lang="de-DE" sz="1100" dirty="0" smtClean="0"/>
-              <a:t>Deine Zeitfenster </a:t>
-            </a:r>
+              <a:t>Trainiere in 2 Wochen 3 Phasen, in denen Du Deine Zeitfenster änderst.</a:t>
+            </a:r>
+          </a:p>
+          <a:p>
             <a:r>
               <a:rPr lang="de-DE" sz="1100" dirty="0"/>
-              <a:t>änderst.</a:t>
-            </a:r>
-          </a:p>
-          <a:p>
+              <a:t>Jede Phase sollte über 2 - 4 Tage andauern, an denen Du </a:t>
+            </a:r>
+            <a:r>
+              <a:rPr lang="de-DE" sz="1100" dirty="0" err="1"/>
+              <a:t>Pomodoros</a:t>
+            </a:r>
             <a:r>
               <a:rPr lang="de-DE" sz="1100" dirty="0"/>
-              <a:t>Jede Phase sollte über 2 - 4 </a:t>
-            </a:r>
-            <a:r>
-              <a:rPr lang="de-DE" sz="1100" dirty="0" smtClean="0"/>
-              <a:t>Tage </a:t>
-            </a:r>
+              <a:t> machst. Innerhalb dieser Zeit änderst Du ihre Länge nicht.</a:t>
+            </a:r>
+          </a:p>
+          <a:p>
             <a:r>
               <a:rPr lang="de-DE" sz="1100" dirty="0"/>
-              <a:t>gehen, an denen Du Tomaten machst. Innerhalb dieser Zeit änderst Du die </a:t>
-            </a:r>
-            <a:r>
-              <a:rPr lang="de-DE" sz="1100" dirty="0" smtClean="0"/>
-              <a:t>Länger der Zeitscheiben</a:t>
-            </a:r>
-            <a:r>
-              <a:rPr lang="de-DE" sz="1100" dirty="0" smtClean="0"/>
-              <a:t> </a:t>
+              <a:t>Mache in einer Phase mindestens 3 </a:t>
+            </a:r>
+            <a:r>
+              <a:rPr lang="de-DE" sz="1100" dirty="0" err="1"/>
+              <a:t>Pomodoros</a:t>
             </a:r>
             <a:r>
               <a:rPr lang="de-DE" sz="1100" dirty="0"/>
-              <a:t>nicht.</a:t>
+              <a:t> mit gleicher Länge, also insgesamt 9.</a:t>
             </a:r>
           </a:p>
           <a:p>
             <a:r>
               <a:rPr lang="de-DE" sz="1100" dirty="0"/>
-              <a:t>Mache in einer Phase </a:t>
-            </a:r>
-            <a:r>
-              <a:rPr lang="de-DE" sz="1100" dirty="0" smtClean="0"/>
-              <a:t>mindestens</a:t>
+              <a:t>Dokumentiere jede </a:t>
+            </a:r>
+            <a:r>
+              <a:rPr lang="de-DE" sz="1100" dirty="0" err="1"/>
+              <a:t>Pomodoro</a:t>
             </a:r>
             <a:r>
               <a:rPr lang="de-DE" sz="1100" dirty="0"/>
-              <a:t> 3 Tomaten mit gleicher Länge, also insgesamt 9 Tomaten</a:t>
-            </a:r>
-            <a:r>
-              <a:rPr lang="de-DE" sz="1100" dirty="0" smtClean="0"/>
-              <a:t>.</a:t>
-            </a:r>
-          </a:p>
-          <a:p>
-            <a:r>
-              <a:rPr lang="de-DE" sz="1100" dirty="0" smtClean="0"/>
-              <a:t>Dokumentiere </a:t>
-            </a:r>
-            <a:r>
-              <a:rPr lang="de-DE" sz="1100" dirty="0"/>
-              <a:t>jede Tomate und notiere auch Antworten auf folgende </a:t>
-            </a:r>
-            <a:r>
-              <a:rPr lang="de-DE" sz="1100" dirty="0" smtClean="0"/>
-              <a:t>Wahrnehmungsfragen:</a:t>
+              <a:t> und notiere auch Antworten auf folgende Wahrnehmungsfragen:</a:t>
             </a:r>
           </a:p>
           <a:p>
@@ -2149,10 +1992,9 @@
               <a:buChar char="§"/>
             </a:pPr>
             <a:r>
-              <a:rPr lang="de-DE" sz="1100" dirty="0" smtClean="0"/>
+              <a:rPr lang="de-DE" sz="1100" dirty="0"/>
               <a:t>Was tut mir gut?</a:t>
             </a:r>
-            <a:endParaRPr lang="de-DE" sz="1100" dirty="0"/>
           </a:p>
           <a:p>
             <a:pPr marL="539816" lvl="1" indent="-171450">
@@ -2160,20 +2002,8 @@
               <a:buChar char="§"/>
             </a:pPr>
             <a:r>
-              <a:rPr lang="de-DE" sz="1100" dirty="0" smtClean="0"/>
-              <a:t>Halte ich meine </a:t>
-            </a:r>
-            <a:r>
-              <a:rPr lang="de-DE" sz="1100" dirty="0" smtClean="0"/>
-              <a:t>Zeitfenster exakt</a:t>
-            </a:r>
-            <a:r>
-              <a:rPr lang="de-DE" sz="1100" dirty="0" smtClean="0"/>
-              <a:t> </a:t>
-            </a:r>
-            <a:r>
-              <a:rPr lang="de-DE" sz="1100" dirty="0" smtClean="0"/>
-              <a:t>ein? </a:t>
+              <a:rPr lang="de-DE" sz="1100" dirty="0"/>
+              <a:t>Halte ich meine Zeitfenster exakt ein? </a:t>
             </a:r>
           </a:p>
           <a:p>
@@ -2182,8 +2012,16 @@
               <a:buChar char="§"/>
             </a:pPr>
             <a:r>
-              <a:rPr lang="de-DE" sz="1100" dirty="0" smtClean="0"/>
-              <a:t>Reißt meine Konzentration während der Tomate ab? </a:t>
+              <a:rPr lang="de-DE" sz="1100" dirty="0"/>
+              <a:t>Reißt meine Konzentration während der </a:t>
+            </a:r>
+            <a:r>
+              <a:rPr lang="de-DE" sz="1100" dirty="0" err="1"/>
+              <a:t>Pomodoro</a:t>
+            </a:r>
+            <a:r>
+              <a:rPr lang="de-DE" sz="1100" dirty="0"/>
+              <a:t> ab? </a:t>
             </a:r>
           </a:p>
           <a:p>
@@ -2192,12 +2030,20 @@
               <a:buChar char="§"/>
             </a:pPr>
             <a:r>
-              <a:rPr lang="de-DE" sz="1100" dirty="0" smtClean="0"/>
-              <a:t>Bräuchte ich längere oder kürzere Tomaten? Warum? </a:t>
-            </a:r>
-          </a:p>
-          <a:p>
-            <a:endParaRPr lang="de-DE" sz="1200" dirty="0" smtClean="0"/>
+              <a:rPr lang="de-DE" sz="1100" dirty="0"/>
+              <a:t>Bräuchte ich längere oder kürzere </a:t>
+            </a:r>
+            <a:r>
+              <a:rPr lang="de-DE" sz="1100"/>
+              <a:t>Pomodoros? </a:t>
+            </a:r>
+            <a:r>
+              <a:rPr lang="de-DE" sz="1100" dirty="0"/>
+              <a:t>Warum? </a:t>
+            </a:r>
+          </a:p>
+          <a:p>
+            <a:endParaRPr lang="de-DE" sz="1200" dirty="0"/>
           </a:p>
           <a:p>
             <a:pPr marL="0" indent="0">

--- a/training-cards/music moves/Tomatoes (TOM)/ger/apprentice/ger_TOM_13_Spiele_mit_der_Zeit_MM_A.pptx
+++ b/training-cards/music moves/Tomatoes (TOM)/ger/apprentice/ger_TOM_13_Spiele_mit_der_Zeit_MM_A.pptx
@@ -724,7 +724,7 @@
           <a:p>
             <a:fld id="{FF5B2BAF-DF38-0A48-A798-0C06E514FD52}" type="datetimeFigureOut">
               <a:rPr lang="de-DE" smtClean="0"/>
-              <a:t>12.09.18</a:t>
+              <a:t>22.07.23</a:t>
             </a:fld>
             <a:endParaRPr lang="de-DE" dirty="0"/>
           </a:p>
@@ -937,7 +937,7 @@
           <a:p>
             <a:fld id="{FF5B2BAF-DF38-0A48-A798-0C06E514FD52}" type="datetimeFigureOut">
               <a:rPr lang="de-DE" smtClean="0"/>
-              <a:t>12.09.18</a:t>
+              <a:t>22.07.23</a:t>
             </a:fld>
             <a:endParaRPr lang="de-DE" dirty="0"/>
           </a:p>
@@ -1671,23 +1671,7 @@
             </a:pPr>
             <a:r>
               <a:rPr lang="de-DE" sz="1100" dirty="0"/>
-              <a:t>Francesco </a:t>
-            </a:r>
-            <a:r>
-              <a:rPr lang="de-DE" sz="1100" dirty="0" err="1"/>
-              <a:t>Cirillo</a:t>
-            </a:r>
-            <a:r>
-              <a:rPr lang="de-DE" sz="1100" dirty="0"/>
-              <a:t>, der Erfinder der </a:t>
-            </a:r>
-            <a:r>
-              <a:rPr lang="de-DE" sz="1100" dirty="0" err="1"/>
-              <a:t>Pomodoro</a:t>
-            </a:r>
-            <a:r>
-              <a:rPr lang="de-DE" sz="1100" dirty="0"/>
-              <a:t> Technik </a:t>
+              <a:t>Francesco Cirillo, der Erfinder der Pomodoro Technik </a:t>
             </a:r>
             <a:r>
               <a:rPr lang="de-DE" sz="1100" dirty="0" err="1"/>
@@ -1703,6 +1687,36 @@
             <a:r>
               <a:rPr lang="de-DE" sz="1100" dirty="0"/>
               <a:t>Einheiten von 20-40 Minuten.</a:t>
+            </a:r>
+          </a:p>
+          <a:p>
+            <a:pPr>
+              <a:lnSpc>
+                <a:spcPct val="120000"/>
+              </a:lnSpc>
+            </a:pPr>
+            <a:r>
+              <a:rPr lang="de-DE" sz="1100" dirty="0"/>
+              <a:t>Die Erfahrung zeigt, dass </a:t>
+            </a:r>
+            <a:r>
+              <a:rPr lang="de-DE" sz="1100"/>
+              <a:t>15 min- oder 5 min-Tomaten </a:t>
+            </a:r>
+            <a:r>
+              <a:rPr lang="de-DE" sz="1100" dirty="0"/>
+              <a:t>auch </a:t>
+            </a:r>
+            <a:r>
+              <a:rPr lang="de-DE" sz="1100"/>
+              <a:t>sehr </a:t>
+            </a:r>
+            <a:br>
+              <a:rPr lang="de-DE" sz="1100"/>
+            </a:br>
+            <a:r>
+              <a:rPr lang="de-DE" sz="1100"/>
+              <a:t>wirkungsvolle Zeitscheiben sein können.</a:t>
             </a:r>
             <a:endParaRPr lang="de-DE" dirty="0"/>
           </a:p>

--- a/training-cards/music moves/Tomatoes (TOM)/ger/apprentice/ger_TOM_13_Spiele_mit_der_Zeit_MM_A.pptx
+++ b/training-cards/music moves/Tomatoes (TOM)/ger/apprentice/ger_TOM_13_Spiele_mit_der_Zeit_MM_A.pptx
@@ -724,7 +724,7 @@
           <a:p>
             <a:fld id="{FF5B2BAF-DF38-0A48-A798-0C06E514FD52}" type="datetimeFigureOut">
               <a:rPr lang="de-DE" smtClean="0"/>
-              <a:t>22.07.23</a:t>
+              <a:t>27.07.23</a:t>
             </a:fld>
             <a:endParaRPr lang="de-DE" dirty="0"/>
           </a:p>
@@ -937,7 +937,7 @@
           <a:p>
             <a:fld id="{FF5B2BAF-DF38-0A48-A798-0C06E514FD52}" type="datetimeFigureOut">
               <a:rPr lang="de-DE" smtClean="0"/>
-              <a:t>22.07.23</a:t>
+              <a:t>27.07.23</a:t>
             </a:fld>
             <a:endParaRPr lang="de-DE" dirty="0"/>
           </a:p>
@@ -2067,6 +2067,314 @@
           </a:p>
         </p:txBody>
       </p:sp>
+      <p:sp>
+        <p:nvSpPr>
+          <p:cNvPr id="3" name="Shape 7">
+            <a:extLst>
+              <a:ext uri="{FF2B5EF4-FFF2-40B4-BE49-F238E27FC236}">
+                <a16:creationId xmlns:a16="http://schemas.microsoft.com/office/drawing/2014/main" id="{C4EB093C-DF1C-93CF-A83D-6CBE6CD93615}"/>
+              </a:ext>
+            </a:extLst>
+          </p:cNvPr>
+          <p:cNvSpPr/>
+          <p:nvPr/>
+        </p:nvSpPr>
+        <p:spPr>
+          <a:xfrm>
+            <a:off x="971550" y="4689585"/>
+            <a:ext cx="4691860" cy="461661"/>
+          </a:xfrm>
+          <a:prstGeom prst="rect">
+            <a:avLst/>
+          </a:prstGeom>
+          <a:ln w="12700">
+            <a:miter lim="400000"/>
+          </a:ln>
+          <a:extLst>
+            <a:ext uri="{C572A759-6A51-4108-AA02-DFA0A04FC94B}">
+              <ma14:wrappingTextBoxFlag xmlns="" xmlns:ma14="http://schemas.microsoft.com/office/mac/drawingml/2011/main" val="1"/>
+            </a:ext>
+          </a:extLst>
+        </p:spPr>
+        <p:txBody>
+          <a:bodyPr wrap="square" lIns="45718" tIns="45718" rIns="45718" bIns="45718">
+            <a:spAutoFit/>
+          </a:bodyPr>
+          <a:lstStyle/>
+          <a:p>
+            <a:pPr lvl="0" algn="ctr">
+              <a:defRPr sz="1800"/>
+            </a:pPr>
+            <a:r>
+              <a:rPr lang="de-DE" sz="800" b="0" i="0" u="none" strike="noStrike" dirty="0" err="1">
+                <a:solidFill>
+                  <a:schemeClr val="tx1">
+                    <a:lumMod val="65000"/>
+                    <a:lumOff val="35000"/>
+                  </a:schemeClr>
+                </a:solidFill>
+                <a:effectLst/>
+                <a:latin typeface="Avenir Book" panose="02000503020000020003" pitchFamily="2" charset="0"/>
+              </a:rPr>
+              <a:t>music</a:t>
+            </a:r>
+            <a:r>
+              <a:rPr lang="de-DE" sz="800" b="0" i="0" u="none" strike="noStrike" dirty="0">
+                <a:solidFill>
+                  <a:schemeClr val="tx1">
+                    <a:lumMod val="65000"/>
+                    <a:lumOff val="35000"/>
+                  </a:schemeClr>
+                </a:solidFill>
+                <a:effectLst/>
+                <a:latin typeface="Avenir Book" panose="02000503020000020003" pitchFamily="2" charset="0"/>
+              </a:rPr>
+              <a:t> </a:t>
+            </a:r>
+            <a:r>
+              <a:rPr lang="de-DE" sz="800" b="0" i="0" u="none" strike="noStrike" dirty="0" err="1">
+                <a:solidFill>
+                  <a:schemeClr val="tx1">
+                    <a:lumMod val="65000"/>
+                    <a:lumOff val="35000"/>
+                  </a:schemeClr>
+                </a:solidFill>
+                <a:effectLst/>
+                <a:latin typeface="Avenir Book" panose="02000503020000020003" pitchFamily="2" charset="0"/>
+              </a:rPr>
+              <a:t>moves</a:t>
+            </a:r>
+            <a:r>
+              <a:rPr lang="de-DE" sz="800" b="0" i="0" u="none" strike="noStrike" dirty="0">
+                <a:solidFill>
+                  <a:schemeClr val="tx1">
+                    <a:lumMod val="65000"/>
+                    <a:lumOff val="35000"/>
+                  </a:schemeClr>
+                </a:solidFill>
+                <a:effectLst/>
+                <a:latin typeface="Avenir Book" panose="02000503020000020003" pitchFamily="2" charset="0"/>
+              </a:rPr>
+              <a:t>-Trainingskarten von Regina Brandhuber sind lizenziert unter einer Creative Commons </a:t>
+            </a:r>
+          </a:p>
+          <a:p>
+            <a:pPr lvl="0" algn="ctr">
+              <a:defRPr sz="1800"/>
+            </a:pPr>
+            <a:r>
+              <a:rPr lang="de-DE" sz="800" b="0" i="0" u="none" strike="noStrike" dirty="0">
+                <a:solidFill>
+                  <a:schemeClr val="tx1">
+                    <a:lumMod val="65000"/>
+                    <a:lumOff val="35000"/>
+                  </a:schemeClr>
+                </a:solidFill>
+                <a:effectLst/>
+                <a:latin typeface="Avenir Book" panose="02000503020000020003" pitchFamily="2" charset="0"/>
+              </a:rPr>
+              <a:t>Namensnennung-Nicht kommerziell 4.0 International Lizenz.</a:t>
+            </a:r>
+          </a:p>
+          <a:p>
+            <a:pPr lvl="0" algn="ctr">
+              <a:defRPr sz="1800"/>
+            </a:pPr>
+            <a:r>
+              <a:rPr lang="de-DE" sz="800" dirty="0">
+                <a:solidFill>
+                  <a:schemeClr val="tx1">
+                    <a:lumMod val="65000"/>
+                    <a:lumOff val="35000"/>
+                  </a:schemeClr>
+                </a:solidFill>
+                <a:latin typeface="Avenir Book" panose="02000503020000020003" pitchFamily="2" charset="0"/>
+                <a:ea typeface="Calibri"/>
+                <a:cs typeface="Avenir Light"/>
+                <a:sym typeface="Calibri"/>
+              </a:rPr>
+              <a:t>Nachzulesen unter:</a:t>
+            </a:r>
+            <a:r>
+              <a:rPr sz="800" dirty="0">
+                <a:solidFill>
+                  <a:schemeClr val="tx1">
+                    <a:lumMod val="65000"/>
+                    <a:lumOff val="35000"/>
+                  </a:schemeClr>
+                </a:solidFill>
+                <a:latin typeface="Avenir Book" panose="02000503020000020003" pitchFamily="2" charset="0"/>
+                <a:ea typeface="Calibri"/>
+                <a:cs typeface="Avenir Light"/>
+                <a:sym typeface="Calibri"/>
+              </a:rPr>
+              <a:t> </a:t>
+            </a:r>
+            <a:r>
+              <a:rPr lang="de-DE" sz="800" dirty="0">
+                <a:solidFill>
+                  <a:schemeClr val="tx1">
+                    <a:lumMod val="65000"/>
+                    <a:lumOff val="35000"/>
+                  </a:schemeClr>
+                </a:solidFill>
+                <a:latin typeface="Avenir Book" panose="02000503020000020003" pitchFamily="2" charset="0"/>
+                <a:ea typeface="Calibri"/>
+                <a:cs typeface="Avenir Light"/>
+                <a:sym typeface="Calibri"/>
+              </a:rPr>
+              <a:t>https://</a:t>
+            </a:r>
+            <a:r>
+              <a:rPr lang="de-DE" sz="800" dirty="0" err="1">
+                <a:solidFill>
+                  <a:schemeClr val="tx1">
+                    <a:lumMod val="65000"/>
+                    <a:lumOff val="35000"/>
+                  </a:schemeClr>
+                </a:solidFill>
+                <a:latin typeface="Avenir Book" panose="02000503020000020003" pitchFamily="2" charset="0"/>
+                <a:ea typeface="Calibri"/>
+                <a:cs typeface="Avenir Light"/>
+                <a:sym typeface="Calibri"/>
+              </a:rPr>
+              <a:t>creativecommons.org</a:t>
+            </a:r>
+            <a:r>
+              <a:rPr lang="de-DE" sz="800" dirty="0">
+                <a:solidFill>
+                  <a:schemeClr val="tx1">
+                    <a:lumMod val="65000"/>
+                    <a:lumOff val="35000"/>
+                  </a:schemeClr>
+                </a:solidFill>
+                <a:latin typeface="Avenir Book" panose="02000503020000020003" pitchFamily="2" charset="0"/>
+                <a:ea typeface="Calibri"/>
+                <a:cs typeface="Avenir Light"/>
+                <a:sym typeface="Calibri"/>
+              </a:rPr>
+              <a:t>/</a:t>
+            </a:r>
+            <a:r>
+              <a:rPr lang="de-DE" sz="800" dirty="0" err="1">
+                <a:solidFill>
+                  <a:schemeClr val="tx1">
+                    <a:lumMod val="65000"/>
+                    <a:lumOff val="35000"/>
+                  </a:schemeClr>
+                </a:solidFill>
+                <a:latin typeface="Avenir Book" panose="02000503020000020003" pitchFamily="2" charset="0"/>
+                <a:ea typeface="Calibri"/>
+                <a:cs typeface="Avenir Light"/>
+                <a:sym typeface="Calibri"/>
+              </a:rPr>
+              <a:t>licenses</a:t>
+            </a:r>
+            <a:r>
+              <a:rPr lang="de-DE" sz="800" dirty="0">
+                <a:solidFill>
+                  <a:schemeClr val="tx1">
+                    <a:lumMod val="65000"/>
+                    <a:lumOff val="35000"/>
+                  </a:schemeClr>
+                </a:solidFill>
+                <a:latin typeface="Avenir Book" panose="02000503020000020003" pitchFamily="2" charset="0"/>
+                <a:ea typeface="Calibri"/>
+                <a:cs typeface="Avenir Light"/>
+                <a:sym typeface="Calibri"/>
+              </a:rPr>
+              <a:t>/</a:t>
+            </a:r>
+            <a:r>
+              <a:rPr lang="de-DE" sz="800" dirty="0" err="1">
+                <a:solidFill>
+                  <a:schemeClr val="tx1">
+                    <a:lumMod val="65000"/>
+                    <a:lumOff val="35000"/>
+                  </a:schemeClr>
+                </a:solidFill>
+                <a:latin typeface="Avenir Book" panose="02000503020000020003" pitchFamily="2" charset="0"/>
+                <a:ea typeface="Calibri"/>
+                <a:cs typeface="Avenir Light"/>
+                <a:sym typeface="Calibri"/>
+              </a:rPr>
+              <a:t>by-nc</a:t>
+            </a:r>
+            <a:r>
+              <a:rPr lang="de-DE" sz="800" dirty="0">
+                <a:solidFill>
+                  <a:schemeClr val="tx1">
+                    <a:lumMod val="65000"/>
+                    <a:lumOff val="35000"/>
+                  </a:schemeClr>
+                </a:solidFill>
+                <a:latin typeface="Avenir Book" panose="02000503020000020003" pitchFamily="2" charset="0"/>
+                <a:ea typeface="Calibri"/>
+                <a:cs typeface="Avenir Light"/>
+                <a:sym typeface="Calibri"/>
+              </a:rPr>
+              <a:t>/4.0/</a:t>
+            </a:r>
+            <a:r>
+              <a:rPr lang="de-DE" sz="800" dirty="0" err="1">
+                <a:solidFill>
+                  <a:schemeClr val="tx1">
+                    <a:lumMod val="65000"/>
+                    <a:lumOff val="35000"/>
+                  </a:schemeClr>
+                </a:solidFill>
+                <a:latin typeface="Avenir Book" panose="02000503020000020003" pitchFamily="2" charset="0"/>
+                <a:ea typeface="Calibri"/>
+                <a:cs typeface="Avenir Light"/>
+                <a:sym typeface="Calibri"/>
+              </a:rPr>
+              <a:t>deed.de</a:t>
+            </a:r>
+            <a:endParaRPr sz="800" dirty="0">
+              <a:solidFill>
+                <a:schemeClr val="tx1">
+                  <a:lumMod val="65000"/>
+                  <a:lumOff val="35000"/>
+                </a:schemeClr>
+              </a:solidFill>
+              <a:latin typeface="Avenir Book" panose="02000503020000020003" pitchFamily="2" charset="0"/>
+              <a:ea typeface="Calibri"/>
+              <a:cs typeface="Avenir Light"/>
+              <a:sym typeface="Calibri"/>
+            </a:endParaRPr>
+          </a:p>
+        </p:txBody>
+      </p:sp>
+      <p:pic>
+        <p:nvPicPr>
+          <p:cNvPr id="4" name="pasted-image.tif">
+            <a:extLst>
+              <a:ext uri="{FF2B5EF4-FFF2-40B4-BE49-F238E27FC236}">
+                <a16:creationId xmlns:a16="http://schemas.microsoft.com/office/drawing/2014/main" id="{911509C0-70F5-91E8-2FF3-71719F979EAA}"/>
+              </a:ext>
+            </a:extLst>
+          </p:cNvPr>
+          <p:cNvPicPr/>
+          <p:nvPr/>
+        </p:nvPicPr>
+        <p:blipFill rotWithShape="1">
+          <a:blip r:embed="rId2"/>
+          <a:srcRect r="24777" b="-3233"/>
+          <a:stretch/>
+        </p:blipFill>
+        <p:spPr>
+          <a:xfrm>
+            <a:off x="5724347" y="4733926"/>
+            <a:ext cx="1009828" cy="333374"/>
+          </a:xfrm>
+          <a:prstGeom prst="rect">
+            <a:avLst/>
+          </a:prstGeom>
+          <a:ln w="12700">
+            <a:miter lim="400000"/>
+          </a:ln>
+        </p:spPr>
+      </p:pic>
     </p:spTree>
     <p:extLst>
       <p:ext uri="{BB962C8B-B14F-4D97-AF65-F5344CB8AC3E}">

--- a/training-cards/music moves/Tomatoes (TOM)/ger/apprentice/ger_TOM_13_Spiele_mit_der_Zeit_MM_A.pptx
+++ b/training-cards/music moves/Tomatoes (TOM)/ger/apprentice/ger_TOM_13_Spiele_mit_der_Zeit_MM_A.pptx
@@ -724,7 +724,7 @@
           <a:p>
             <a:fld id="{FF5B2BAF-DF38-0A48-A798-0C06E514FD52}" type="datetimeFigureOut">
               <a:rPr lang="de-DE" smtClean="0"/>
-              <a:t>27.07.23</a:t>
+              <a:t>31.07.24</a:t>
             </a:fld>
             <a:endParaRPr lang="de-DE" dirty="0"/>
           </a:p>
@@ -937,7 +937,7 @@
           <a:p>
             <a:fld id="{FF5B2BAF-DF38-0A48-A798-0C06E514FD52}" type="datetimeFigureOut">
               <a:rPr lang="de-DE" smtClean="0"/>
-              <a:t>27.07.23</a:t>
+              <a:t>31.07.24</a:t>
             </a:fld>
             <a:endParaRPr lang="de-DE" dirty="0"/>
           </a:p>
@@ -1605,21 +1605,77 @@
             <p:ph idx="13"/>
           </p:nvPr>
         </p:nvSpPr>
-        <p:spPr/>
+        <p:spPr>
+          <a:xfrm>
+            <a:off x="858838" y="1568451"/>
+            <a:ext cx="6011545" cy="3762373"/>
+          </a:xfrm>
+        </p:spPr>
         <p:txBody>
           <a:bodyPr>
             <a:normAutofit/>
           </a:bodyPr>
           <a:lstStyle/>
           <a:p>
+            <a:pPr algn="just">
+              <a:lnSpc>
+                <a:spcPct val="120000"/>
+              </a:lnSpc>
+            </a:pPr>
+            <a:r>
+              <a:rPr lang="de-DE" sz="1200" dirty="0"/>
+              <a:t>Innerhalb eines Zeitfensters von 25 min zu arbeiten, ist eine Möglichkeit neben vielen weiteren.</a:t>
+            </a:r>
+          </a:p>
+          <a:p>
+            <a:pPr algn="just">
+              <a:lnSpc>
+                <a:spcPct val="120000"/>
+              </a:lnSpc>
+            </a:pPr>
+            <a:r>
+              <a:rPr lang="de-DE" sz="1200" dirty="0"/>
+              <a:t>Um herauszufinden, welche Zeitfensterlänge für Dich am besten passt, kannst Du unterschiedliche ausprobieren.</a:t>
+            </a:r>
+          </a:p>
+          <a:p>
+            <a:pPr algn="just">
+              <a:lnSpc>
+                <a:spcPct val="120000"/>
+              </a:lnSpc>
+            </a:pPr>
+            <a:r>
+              <a:rPr lang="de-DE" sz="1200" dirty="0"/>
+              <a:t>Wenn Du damit experimentierst, ist es wichtig, Klarheit beizubehalten, indem du für ein Set (3-4 Tomaten) bei der gleichen Tomatenlänge bleibst. Andernfalls verlierst Du die Vergleichbarkeit innerhalb der Tomaten (vgl. Cirillo 2013, S. 72 f.). </a:t>
+            </a:r>
+          </a:p>
+          <a:p>
+            <a:pPr algn="just">
+              <a:lnSpc>
+                <a:spcPct val="120000"/>
+              </a:lnSpc>
+            </a:pPr>
+            <a:r>
+              <a:rPr lang="de-DE" sz="1200" dirty="0"/>
+              <a:t>Vor Beginn Deiner Pomodoro legst Du fest, wie lange sie sein soll. Die Länge über mehrere Tomaten konstant zu halten, hilft Dir ein Gefühl dafür zu entwickeln.</a:t>
+            </a:r>
+          </a:p>
+          <a:p>
             <a:pPr>
               <a:lnSpc>
                 <a:spcPct val="120000"/>
               </a:lnSpc>
             </a:pPr>
             <a:r>
-              <a:rPr lang="de-DE" sz="1100" dirty="0"/>
-              <a:t>Innerhalb eines Zeitfensters von 25 min zu arbeiten, ist eine Möglichkeit neben vielen weiteren, die auch gut funktionieren können.</a:t>
+              <a:rPr lang="de-DE" sz="1200" dirty="0"/>
+              <a:t>Francesco Cirillo, der Erfinder der Pomodoro Technik, empfiehlt </a:t>
+            </a:r>
+            <a:br>
+              <a:rPr lang="de-DE" sz="1200" dirty="0"/>
+            </a:br>
+            <a:r>
+              <a:rPr lang="de-DE" sz="1200" dirty="0"/>
+              <a:t>Einheiten von 20-40 Minuten (vgl. ebd., S. 73).</a:t>
             </a:r>
           </a:p>
           <a:p>
@@ -1629,251 +1685,90 @@
               </a:lnSpc>
             </a:pPr>
             <a:r>
-              <a:rPr lang="de-DE" sz="1100" dirty="0"/>
-              <a:t>Um herauszufinden, welches für Dich am besten passt, kannst Du unterschiedliche Zeitfenster ausprobieren.</a:t>
-            </a:r>
-          </a:p>
-          <a:p>
-            <a:pPr>
+              <a:rPr lang="de-DE" sz="1200" dirty="0"/>
+              <a:t>Die Erfahrung zeigt, dass 15 min- oder 5 min-Tomaten auch sehr </a:t>
+            </a:r>
+            <a:br>
+              <a:rPr lang="de-DE" sz="1200" dirty="0"/>
+            </a:br>
+            <a:r>
+              <a:rPr lang="de-DE" sz="1200" dirty="0"/>
+              <a:t>wirkungsvolle Zeitscheiben sein können.</a:t>
+            </a:r>
+          </a:p>
+          <a:p>
+            <a:pPr marL="0" indent="0">
               <a:lnSpc>
                 <a:spcPct val="120000"/>
               </a:lnSpc>
+              <a:buNone/>
             </a:pPr>
-            <a:r>
-              <a:rPr lang="de-DE" sz="1100" dirty="0"/>
-              <a:t>Wenn Du damit experimentierst, ist es wichtig, Klarheit beizubehalten. Du kannst Dich sonst schnell in Beliebigkeit verlieren. </a:t>
-            </a:r>
-          </a:p>
-          <a:p>
-            <a:pPr>
+            <a:endParaRPr lang="de-DE" sz="800" dirty="0"/>
+          </a:p>
+          <a:p>
+            <a:pPr marL="0" indent="0">
               <a:lnSpc>
                 <a:spcPct val="120000"/>
               </a:lnSpc>
+              <a:buNone/>
             </a:pPr>
-            <a:r>
-              <a:rPr lang="de-DE" sz="1100" dirty="0"/>
-              <a:t>Vor Beginn Deiner Pomodoro</a:t>
-            </a:r>
-            <a:r>
-              <a:rPr lang="de-DE" sz="1100" baseline="30000" dirty="0"/>
-              <a:t>1</a:t>
-            </a:r>
-            <a:r>
-              <a:rPr lang="de-DE" sz="1100" dirty="0"/>
-              <a:t> legst Du fest, wie lange sie sein soll. Die Länge über mehrere Tomaten konstant zu halten, hilft Dir ein Gefühl dafür zu entwickeln.</a:t>
-            </a:r>
-          </a:p>
-          <a:p>
-            <a:pPr>
+            <a:endParaRPr lang="de-DE" sz="800" dirty="0"/>
+          </a:p>
+          <a:p>
+            <a:pPr marL="36512" indent="0">
+              <a:buNone/>
+            </a:pPr>
+            <a:r>
+              <a:rPr lang="de-DE" sz="800" dirty="0"/>
+              <a:t>Quelle: </a:t>
+            </a:r>
+            <a:r>
+              <a:rPr lang="de-DE" sz="800" b="1" dirty="0"/>
+              <a:t>Cirillo</a:t>
+            </a:r>
+            <a:r>
+              <a:rPr lang="de-DE" sz="800" dirty="0"/>
+              <a:t>, Francesco (2013): The Pomodoro </a:t>
+            </a:r>
+            <a:r>
+              <a:rPr lang="de-DE" sz="800" dirty="0" err="1"/>
+              <a:t>Technique</a:t>
+            </a:r>
+            <a:r>
+              <a:rPr lang="de-DE" sz="800" dirty="0"/>
+              <a:t>. Do More and </a:t>
+            </a:r>
+            <a:r>
+              <a:rPr lang="de-DE" sz="800" dirty="0" err="1"/>
+              <a:t>Have</a:t>
+            </a:r>
+            <a:r>
+              <a:rPr lang="de-DE" sz="800" dirty="0"/>
+              <a:t> Fun </a:t>
+            </a:r>
+            <a:r>
+              <a:rPr lang="de-DE" sz="800" dirty="0" err="1"/>
+              <a:t>with</a:t>
+            </a:r>
+            <a:r>
+              <a:rPr lang="de-DE" sz="800" dirty="0"/>
+              <a:t> Time Management. Berlin: FC Garage</a:t>
+            </a:r>
+          </a:p>
+          <a:p>
+            <a:pPr marL="36512" indent="0">
+              <a:buNone/>
+            </a:pPr>
+            <a:endParaRPr lang="de-DE" sz="1050" dirty="0"/>
+          </a:p>
+          <a:p>
+            <a:pPr marL="0" indent="0">
               <a:lnSpc>
                 <a:spcPct val="120000"/>
               </a:lnSpc>
+              <a:buNone/>
             </a:pPr>
-            <a:r>
-              <a:rPr lang="de-DE" sz="1100" dirty="0"/>
-              <a:t>Francesco Cirillo, der Erfinder der Pomodoro Technik </a:t>
-            </a:r>
-            <a:r>
-              <a:rPr lang="de-DE" sz="1100" dirty="0" err="1"/>
-              <a:t>empfielt</a:t>
-            </a:r>
-            <a:r>
-              <a:rPr lang="de-DE" sz="1100" dirty="0"/>
-              <a:t> </a:t>
-            </a:r>
-            <a:br>
-              <a:rPr lang="de-DE" sz="1100" dirty="0"/>
-            </a:br>
-            <a:r>
-              <a:rPr lang="de-DE" sz="1100" dirty="0"/>
-              <a:t>Einheiten von 20-40 Minuten.</a:t>
-            </a:r>
-          </a:p>
-          <a:p>
-            <a:pPr>
-              <a:lnSpc>
-                <a:spcPct val="120000"/>
-              </a:lnSpc>
-            </a:pPr>
-            <a:r>
-              <a:rPr lang="de-DE" sz="1100" dirty="0"/>
-              <a:t>Die Erfahrung zeigt, dass </a:t>
-            </a:r>
-            <a:r>
-              <a:rPr lang="de-DE" sz="1100"/>
-              <a:t>15 min- oder 5 min-Tomaten </a:t>
-            </a:r>
-            <a:r>
-              <a:rPr lang="de-DE" sz="1100" dirty="0"/>
-              <a:t>auch </a:t>
-            </a:r>
-            <a:r>
-              <a:rPr lang="de-DE" sz="1100"/>
-              <a:t>sehr </a:t>
-            </a:r>
-            <a:br>
-              <a:rPr lang="de-DE" sz="1100"/>
-            </a:br>
-            <a:r>
-              <a:rPr lang="de-DE" sz="1100"/>
-              <a:t>wirkungsvolle Zeitscheiben sein können.</a:t>
-            </a:r>
             <a:endParaRPr lang="de-DE" dirty="0"/>
-          </a:p>
-        </p:txBody>
-      </p:sp>
-      <p:sp>
-        <p:nvSpPr>
-          <p:cNvPr id="5" name="Fußzeilenplatzhalter 19"/>
-          <p:cNvSpPr txBox="1">
-            <a:spLocks/>
-          </p:cNvSpPr>
-          <p:nvPr/>
-        </p:nvSpPr>
-        <p:spPr>
-          <a:xfrm>
-            <a:off x="5086569" y="4776480"/>
-            <a:ext cx="1775894" cy="283817"/>
-          </a:xfrm>
-          <a:prstGeom prst="rect">
-            <a:avLst/>
-          </a:prstGeom>
-        </p:spPr>
-        <p:txBody>
-          <a:bodyPr/>
-          <a:lstStyle>
-            <a:defPPr>
-              <a:defRPr lang="de-DE"/>
-            </a:defPPr>
-            <a:lvl1pPr marL="0" algn="l" defTabSz="403388" rtl="0" eaLnBrk="1" latinLnBrk="0" hangingPunct="1">
-              <a:defRPr sz="1600" kern="1200">
-                <a:solidFill>
-                  <a:schemeClr val="tx1"/>
-                </a:solidFill>
-                <a:latin typeface="+mn-lt"/>
-                <a:ea typeface="+mn-ea"/>
-                <a:cs typeface="+mn-cs"/>
-              </a:defRPr>
-            </a:lvl1pPr>
-            <a:lvl2pPr marL="403388" algn="l" defTabSz="403388" rtl="0" eaLnBrk="1" latinLnBrk="0" hangingPunct="1">
-              <a:defRPr sz="1600" kern="1200">
-                <a:solidFill>
-                  <a:schemeClr val="tx1"/>
-                </a:solidFill>
-                <a:latin typeface="+mn-lt"/>
-                <a:ea typeface="+mn-ea"/>
-                <a:cs typeface="+mn-cs"/>
-              </a:defRPr>
-            </a:lvl2pPr>
-            <a:lvl3pPr marL="806775" algn="l" defTabSz="403388" rtl="0" eaLnBrk="1" latinLnBrk="0" hangingPunct="1">
-              <a:defRPr sz="1600" kern="1200">
-                <a:solidFill>
-                  <a:schemeClr val="tx1"/>
-                </a:solidFill>
-                <a:latin typeface="+mn-lt"/>
-                <a:ea typeface="+mn-ea"/>
-                <a:cs typeface="+mn-cs"/>
-              </a:defRPr>
-            </a:lvl3pPr>
-            <a:lvl4pPr marL="1210163" algn="l" defTabSz="403388" rtl="0" eaLnBrk="1" latinLnBrk="0" hangingPunct="1">
-              <a:defRPr sz="1600" kern="1200">
-                <a:solidFill>
-                  <a:schemeClr val="tx1"/>
-                </a:solidFill>
-                <a:latin typeface="+mn-lt"/>
-                <a:ea typeface="+mn-ea"/>
-                <a:cs typeface="+mn-cs"/>
-              </a:defRPr>
-            </a:lvl4pPr>
-            <a:lvl5pPr marL="1613550" algn="l" defTabSz="403388" rtl="0" eaLnBrk="1" latinLnBrk="0" hangingPunct="1">
-              <a:defRPr sz="1600" kern="1200">
-                <a:solidFill>
-                  <a:schemeClr val="tx1"/>
-                </a:solidFill>
-                <a:latin typeface="+mn-lt"/>
-                <a:ea typeface="+mn-ea"/>
-                <a:cs typeface="+mn-cs"/>
-              </a:defRPr>
-            </a:lvl5pPr>
-            <a:lvl6pPr marL="2016938" algn="l" defTabSz="403388" rtl="0" eaLnBrk="1" latinLnBrk="0" hangingPunct="1">
-              <a:defRPr sz="1600" kern="1200">
-                <a:solidFill>
-                  <a:schemeClr val="tx1"/>
-                </a:solidFill>
-                <a:latin typeface="+mn-lt"/>
-                <a:ea typeface="+mn-ea"/>
-                <a:cs typeface="+mn-cs"/>
-              </a:defRPr>
-            </a:lvl6pPr>
-            <a:lvl7pPr marL="2420325" algn="l" defTabSz="403388" rtl="0" eaLnBrk="1" latinLnBrk="0" hangingPunct="1">
-              <a:defRPr sz="1600" kern="1200">
-                <a:solidFill>
-                  <a:schemeClr val="tx1"/>
-                </a:solidFill>
-                <a:latin typeface="+mn-lt"/>
-                <a:ea typeface="+mn-ea"/>
-                <a:cs typeface="+mn-cs"/>
-              </a:defRPr>
-            </a:lvl7pPr>
-            <a:lvl8pPr marL="2823713" algn="l" defTabSz="403388" rtl="0" eaLnBrk="1" latinLnBrk="0" hangingPunct="1">
-              <a:defRPr sz="1600" kern="1200">
-                <a:solidFill>
-                  <a:schemeClr val="tx1"/>
-                </a:solidFill>
-                <a:latin typeface="+mn-lt"/>
-                <a:ea typeface="+mn-ea"/>
-                <a:cs typeface="+mn-cs"/>
-              </a:defRPr>
-            </a:lvl8pPr>
-            <a:lvl9pPr marL="3227100" algn="l" defTabSz="403388" rtl="0" eaLnBrk="1" latinLnBrk="0" hangingPunct="1">
-              <a:defRPr sz="1600" kern="1200">
-                <a:solidFill>
-                  <a:schemeClr val="tx1"/>
-                </a:solidFill>
-                <a:latin typeface="+mn-lt"/>
-                <a:ea typeface="+mn-ea"/>
-                <a:cs typeface="+mn-cs"/>
-              </a:defRPr>
-            </a:lvl9pPr>
-          </a:lstStyle>
-          <a:p>
-            <a:r>
-              <a:rPr lang="de-DE" sz="900" baseline="30000" dirty="0">
-                <a:solidFill>
-                  <a:schemeClr val="bg1">
-                    <a:lumMod val="65000"/>
-                  </a:schemeClr>
-                </a:solidFill>
-              </a:rPr>
-              <a:t>1</a:t>
-            </a:r>
-            <a:r>
-              <a:rPr lang="de-DE" sz="900" dirty="0">
-                <a:solidFill>
-                  <a:schemeClr val="bg1">
-                    <a:lumMod val="65000"/>
-                  </a:schemeClr>
-                </a:solidFill>
-              </a:rPr>
-              <a:t>  </a:t>
-            </a:r>
-            <a:r>
-              <a:rPr lang="de-DE" sz="900" dirty="0" err="1">
-                <a:solidFill>
-                  <a:schemeClr val="bg1">
-                    <a:lumMod val="65000"/>
-                  </a:schemeClr>
-                </a:solidFill>
-              </a:rPr>
-              <a:t>www.pomodorotechnique.com</a:t>
-            </a:r>
-            <a:endParaRPr lang="de-DE" sz="900" dirty="0">
-              <a:solidFill>
-                <a:schemeClr val="bg1">
-                  <a:lumMod val="65000"/>
-                </a:schemeClr>
-              </a:solidFill>
-            </a:endParaRPr>
           </a:p>
         </p:txBody>
       </p:sp>
@@ -1898,8 +1793,8 @@
         </p:blipFill>
         <p:spPr>
           <a:xfrm>
-            <a:off x="5510914" y="3377140"/>
-            <a:ext cx="927203" cy="1399340"/>
+            <a:off x="6010275" y="3700990"/>
+            <a:ext cx="860108" cy="1298080"/>
           </a:xfrm>
           <a:prstGeom prst="rect">
             <a:avLst/>
@@ -1946,7 +1841,12 @@
             <p:ph idx="1"/>
           </p:nvPr>
         </p:nvSpPr>
-        <p:spPr/>
+        <p:spPr>
+          <a:xfrm>
+            <a:off x="858838" y="1555750"/>
+            <a:ext cx="6189662" cy="3133835"/>
+          </a:xfrm>
+        </p:spPr>
         <p:txBody>
           <a:bodyPr>
             <a:normAutofit/>
@@ -1954,50 +1854,14 @@
           <a:lstStyle/>
           <a:p>
             <a:r>
-              <a:rPr lang="de-DE" sz="1100" dirty="0"/>
-              <a:t>Trainiere in 2 Wochen 3 Phasen, in denen Du Deine Zeitfenster änderst.</a:t>
-            </a:r>
-          </a:p>
-          <a:p>
-            <a:r>
-              <a:rPr lang="de-DE" sz="1100" dirty="0"/>
-              <a:t>Jede Phase sollte über 2 - 4 Tage andauern, an denen Du </a:t>
-            </a:r>
-            <a:r>
-              <a:rPr lang="de-DE" sz="1100" dirty="0" err="1"/>
-              <a:t>Pomodoros</a:t>
-            </a:r>
-            <a:r>
-              <a:rPr lang="de-DE" sz="1100" dirty="0"/>
-              <a:t> machst. Innerhalb dieser Zeit änderst Du ihre Länge nicht.</a:t>
-            </a:r>
-          </a:p>
-          <a:p>
-            <a:r>
-              <a:rPr lang="de-DE" sz="1100" dirty="0"/>
-              <a:t>Mache in einer Phase mindestens 3 </a:t>
-            </a:r>
-            <a:r>
-              <a:rPr lang="de-DE" sz="1100" dirty="0" err="1"/>
-              <a:t>Pomodoros</a:t>
-            </a:r>
-            <a:r>
-              <a:rPr lang="de-DE" sz="1100" dirty="0"/>
-              <a:t> mit gleicher Länge, also insgesamt 9.</a:t>
-            </a:r>
-          </a:p>
-          <a:p>
-            <a:r>
-              <a:rPr lang="de-DE" sz="1100" dirty="0"/>
-              <a:t>Dokumentiere jede </a:t>
-            </a:r>
-            <a:r>
-              <a:rPr lang="de-DE" sz="1100" dirty="0" err="1"/>
-              <a:t>Pomodoro</a:t>
-            </a:r>
-            <a:r>
-              <a:rPr lang="de-DE" sz="1100" dirty="0"/>
-              <a:t> und notiere auch Antworten auf folgende Wahrnehmungsfragen:</a:t>
+              <a:rPr lang="de-DE" sz="1200" dirty="0"/>
+              <a:t>Trainiere in 2 Wochen 3 Sets (3-4 Tomaten am Stück), mit unterschiedlicher Zeitfensterlänge.</a:t>
+            </a:r>
+          </a:p>
+          <a:p>
+            <a:r>
+              <a:rPr lang="de-DE" sz="1200" dirty="0"/>
+              <a:t>Dokumentiere nach jedem Set Antworten auf folgende Wahrnehmungsfragen:</a:t>
             </a:r>
           </a:p>
           <a:p>
@@ -2006,8 +1870,8 @@
               <a:buChar char="§"/>
             </a:pPr>
             <a:r>
-              <a:rPr lang="de-DE" sz="1100" dirty="0"/>
-              <a:t>Was tut mir gut?</a:t>
+              <a:rPr lang="de-DE" sz="1200" dirty="0"/>
+              <a:t>Was tut mir an dieser Tomatenlänge gut oder nicht gut?</a:t>
             </a:r>
           </a:p>
           <a:p>
@@ -2016,7 +1880,7 @@
               <a:buChar char="§"/>
             </a:pPr>
             <a:r>
-              <a:rPr lang="de-DE" sz="1100" dirty="0"/>
+              <a:rPr lang="de-DE" sz="1200" dirty="0"/>
               <a:t>Halte ich meine Zeitfenster exakt ein? </a:t>
             </a:r>
           </a:p>
@@ -2026,16 +1890,8 @@
               <a:buChar char="§"/>
             </a:pPr>
             <a:r>
-              <a:rPr lang="de-DE" sz="1100" dirty="0"/>
-              <a:t>Reißt meine Konzentration während der </a:t>
-            </a:r>
-            <a:r>
-              <a:rPr lang="de-DE" sz="1100" dirty="0" err="1"/>
-              <a:t>Pomodoro</a:t>
-            </a:r>
-            <a:r>
-              <a:rPr lang="de-DE" sz="1100" dirty="0"/>
-              <a:t> ab? </a:t>
+              <a:rPr lang="de-DE" sz="1200" dirty="0"/>
+              <a:t>Reißt meine Konzentration während der Pomodoro ab? </a:t>
             </a:r>
           </a:p>
           <a:p>
@@ -2044,19 +1900,41 @@
               <a:buChar char="§"/>
             </a:pPr>
             <a:r>
-              <a:rPr lang="de-DE" sz="1100" dirty="0"/>
-              <a:t>Bräuchte ich längere oder kürzere </a:t>
-            </a:r>
-            <a:r>
-              <a:rPr lang="de-DE" sz="1100"/>
-              <a:t>Pomodoros? </a:t>
-            </a:r>
-            <a:r>
-              <a:rPr lang="de-DE" sz="1100" dirty="0"/>
-              <a:t>Warum? </a:t>
-            </a:r>
-          </a:p>
-          <a:p>
+              <a:rPr lang="de-DE" sz="1200" dirty="0"/>
+              <a:t>Bräuchte ich längere oder kürzere Pomodoros? Warum? </a:t>
+            </a:r>
+          </a:p>
+          <a:p>
+            <a:r>
+              <a:rPr lang="de-DE" sz="1200" dirty="0"/>
+              <a:t>Lass Dich von Deinem Team zertifizieren, indem Du </a:t>
+            </a:r>
+            <a:r>
+              <a:rPr lang="de-DE" sz="1200"/>
+              <a:t>Deine </a:t>
+            </a:r>
+            <a:br>
+              <a:rPr lang="de-DE" sz="1200"/>
+            </a:br>
+            <a:r>
+              <a:rPr lang="de-DE" sz="1200"/>
+              <a:t>Aufzeichnungen </a:t>
+            </a:r>
+            <a:r>
+              <a:rPr lang="de-DE" sz="1200" dirty="0"/>
+              <a:t>teilst.</a:t>
+            </a:r>
+          </a:p>
+          <a:p>
+            <a:pPr marL="95316" indent="0">
+              <a:buNone/>
+            </a:pPr>
+            <a:endParaRPr lang="de-DE" sz="1100" dirty="0"/>
+          </a:p>
+          <a:p>
+            <a:pPr marL="0" indent="0">
+              <a:buNone/>
+            </a:pPr>
             <a:endParaRPr lang="de-DE" sz="1200" dirty="0"/>
           </a:p>
           <a:p>
@@ -2092,7 +1970,7 @@
           </a:ln>
           <a:extLst>
             <a:ext uri="{C572A759-6A51-4108-AA02-DFA0A04FC94B}">
-              <ma14:wrappingTextBoxFlag xmlns="" xmlns:ma14="http://schemas.microsoft.com/office/mac/drawingml/2011/main" val="1"/>
+              <ma14:wrappingTextBoxFlag xmlns:ma14="http://schemas.microsoft.com/office/mac/drawingml/2011/main" xmlns="" val="1"/>
             </a:ext>
           </a:extLst>
         </p:spPr>
